--- a/BlossomBot.pptx
+++ b/BlossomBot.pptx
@@ -6,11 +6,12 @@
   </p:sldMasterIdLst>
   <p:sldIdLst>
     <p:sldId id="256" r:id="rId2"/>
-    <p:sldId id="257" r:id="rId3"/>
-    <p:sldId id="258" r:id="rId4"/>
-    <p:sldId id="259" r:id="rId5"/>
-    <p:sldId id="260" r:id="rId6"/>
-    <p:sldId id="261" r:id="rId7"/>
+    <p:sldId id="262" r:id="rId3"/>
+    <p:sldId id="257" r:id="rId4"/>
+    <p:sldId id="258" r:id="rId5"/>
+    <p:sldId id="259" r:id="rId6"/>
+    <p:sldId id="260" r:id="rId7"/>
+    <p:sldId id="261" r:id="rId8"/>
   </p:sldIdLst>
   <p:sldSz cx="9144000" cy="6858000" type="screen4x3"/>
   <p:notesSz cx="6858000" cy="9144000"/>
@@ -3687,7 +3688,12 @@
             <p:ph type="ctrTitle"/>
           </p:nvPr>
         </p:nvSpPr>
-        <p:spPr/>
+        <p:spPr>
+          <a:xfrm>
+            <a:off x="1048189" y="4607560"/>
+            <a:ext cx="6484034" cy="996315"/>
+          </a:xfrm>
+        </p:spPr>
         <p:txBody>
           <a:bodyPr/>
           <a:lstStyle/>
@@ -3710,7 +3716,12 @@
             <p:ph type="subTitle" idx="1"/>
           </p:nvPr>
         </p:nvSpPr>
-        <p:spPr/>
+        <p:spPr>
+          <a:xfrm>
+            <a:off x="1980398" y="4016374"/>
+            <a:ext cx="5551825" cy="709787"/>
+          </a:xfrm>
+        </p:spPr>
         <p:txBody>
           <a:bodyPr/>
           <a:lstStyle/>
@@ -3727,6 +3738,36 @@
           </a:p>
         </p:txBody>
       </p:sp>
+      <p:pic>
+        <p:nvPicPr>
+          <p:cNvPr id="4" name="Picture 3" descr="Screen Shot 2014-12-07 at 8.51.05 PM.png"/>
+          <p:cNvPicPr>
+            <a:picLocks noChangeAspect="1"/>
+          </p:cNvPicPr>
+          <p:nvPr/>
+        </p:nvPicPr>
+        <p:blipFill>
+          <a:blip r:embed="rId2">
+            <a:extLst>
+              <a:ext uri="{28A0092B-C50C-407E-A947-70E740481C1C}">
+                <a14:useLocalDpi xmlns:a14="http://schemas.microsoft.com/office/drawing/2010/main" val="0"/>
+              </a:ext>
+            </a:extLst>
+          </a:blip>
+          <a:stretch>
+            <a:fillRect/>
+          </a:stretch>
+        </p:blipFill>
+        <p:spPr>
+          <a:xfrm>
+            <a:off x="1980398" y="150708"/>
+            <a:ext cx="4936864" cy="4266426"/>
+          </a:xfrm>
+          <a:prstGeom prst="rect">
+            <a:avLst/>
+          </a:prstGeom>
+        </p:spPr>
+      </p:pic>
     </p:spTree>
     <p:extLst>
       <p:ext uri="{BB962C8B-B14F-4D97-AF65-F5344CB8AC3E}">
@@ -3737,6 +3778,13 @@
   <p:clrMapOvr>
     <a:masterClrMapping/>
   </p:clrMapOvr>
+  <p:timing>
+    <p:tnLst>
+      <p:par>
+        <p:cTn xmlns:p14="http://schemas.microsoft.com/office/powerpoint/2010/main" id="1" dur="indefinite" restart="never" nodeType="tmRoot"/>
+      </p:par>
+    </p:tnLst>
+  </p:timing>
 </p:sld>
 </file>
 
@@ -3769,9 +3817,7 @@
         </p:nvSpPr>
         <p:spPr/>
         <p:txBody>
-          <a:bodyPr>
-            <a:normAutofit fontScale="90000"/>
-          </a:bodyPr>
+          <a:bodyPr/>
           <a:lstStyle/>
           <a:p>
             <a:r>
@@ -3780,7 +3826,7 @@
             </a:r>
             <a:r>
               <a:rPr lang="en-US" dirty="0" smtClean="0"/>
-              <a:t> – Problem Statement</a:t>
+              <a:t> - Overview</a:t>
             </a:r>
             <a:endParaRPr lang="en-US" dirty="0"/>
           </a:p>
@@ -3801,6 +3847,38 @@
           <a:bodyPr/>
           <a:lstStyle/>
           <a:p>
+            <a:r>
+              <a:rPr lang="en-US" dirty="0" smtClean="0"/>
+              <a:t>Automated robot(s) to aid in horticulture environments.</a:t>
+            </a:r>
+          </a:p>
+          <a:p>
+            <a:r>
+              <a:rPr lang="en-US" dirty="0" smtClean="0"/>
+              <a:t>Dynamic data gathering of on-board sensors.</a:t>
+            </a:r>
+          </a:p>
+          <a:p>
+            <a:r>
+              <a:rPr lang="en-US" dirty="0" err="1" smtClean="0"/>
+              <a:t>Realtime</a:t>
+            </a:r>
+            <a:r>
+              <a:rPr lang="en-US" dirty="0" smtClean="0"/>
+              <a:t> low latency data analysis.</a:t>
+            </a:r>
+          </a:p>
+          <a:p>
+            <a:r>
+              <a:rPr lang="en-US" dirty="0" smtClean="0"/>
+              <a:t>Systemic diagnostics across all robots.</a:t>
+            </a:r>
+          </a:p>
+          <a:p>
+            <a:r>
+              <a:rPr lang="en-US" dirty="0" smtClean="0"/>
+              <a:t>Horticulture resource management.</a:t>
+            </a:r>
             <a:endParaRPr lang="en-US" dirty="0"/>
           </a:p>
         </p:txBody>
@@ -3808,13 +3886,20 @@
     </p:spTree>
     <p:extLst>
       <p:ext uri="{BB962C8B-B14F-4D97-AF65-F5344CB8AC3E}">
-        <p14:creationId xmlns:p14="http://schemas.microsoft.com/office/powerpoint/2010/main" val="1541104339"/>
+        <p14:creationId xmlns:p14="http://schemas.microsoft.com/office/powerpoint/2010/main" val="627227853"/>
       </p:ext>
     </p:extLst>
   </p:cSld>
   <p:clrMapOvr>
     <a:masterClrMapping/>
   </p:clrMapOvr>
+  <p:timing>
+    <p:tnLst>
+      <p:par>
+        <p:cTn xmlns:p14="http://schemas.microsoft.com/office/powerpoint/2010/main" id="1" dur="indefinite" restart="never" nodeType="tmRoot"/>
+      </p:par>
+    </p:tnLst>
+  </p:timing>
 </p:sld>
 </file>
 
@@ -3847,7 +3932,9 @@
         </p:nvSpPr>
         <p:spPr/>
         <p:txBody>
-          <a:bodyPr/>
+          <a:bodyPr>
+            <a:normAutofit fontScale="90000"/>
+          </a:bodyPr>
           <a:lstStyle/>
           <a:p>
             <a:r>
@@ -3856,49 +3943,66 @@
             </a:r>
             <a:r>
               <a:rPr lang="en-US" dirty="0" smtClean="0"/>
-              <a:t> – </a:t>
-            </a:r>
-            <a:r>
-              <a:rPr lang="en-US" dirty="0" err="1" smtClean="0"/>
-              <a:t>IoT</a:t>
-            </a:r>
+              <a:t> – Problem Statement</a:t>
+            </a:r>
+            <a:endParaRPr lang="en-US" dirty="0"/>
+          </a:p>
+        </p:txBody>
+      </p:sp>
+      <p:sp>
+        <p:nvSpPr>
+          <p:cNvPr id="3" name="Content Placeholder 2"/>
+          <p:cNvSpPr>
+            <a:spLocks noGrp="1"/>
+          </p:cNvSpPr>
+          <p:nvPr>
+            <p:ph idx="1"/>
+          </p:nvPr>
+        </p:nvSpPr>
+        <p:spPr/>
+        <p:txBody>
+          <a:bodyPr/>
+          <a:lstStyle/>
+          <a:p>
             <a:r>
               <a:rPr lang="en-US" dirty="0" smtClean="0"/>
-              <a:t> Devices</a:t>
-            </a:r>
+              <a:t>Automate resources in horticulture environments. </a:t>
+            </a:r>
+          </a:p>
+          <a:p>
+            <a:r>
+              <a:rPr lang="en-US" dirty="0" smtClean="0"/>
+              <a:t>Use sensor data to maximize collection and distribution of natural resources (Solar, Hydro etc.)</a:t>
+            </a:r>
+          </a:p>
+          <a:p>
+            <a:r>
+              <a:rPr lang="en-US" dirty="0" smtClean="0"/>
+              <a:t>Use regional  measurements to pre-load default settings depending on location.</a:t>
+            </a:r>
+          </a:p>
+          <a:p>
             <a:endParaRPr lang="en-US" dirty="0"/>
-          </a:p>
-        </p:txBody>
-      </p:sp>
-      <p:sp>
-        <p:nvSpPr>
-          <p:cNvPr id="3" name="Content Placeholder 2"/>
-          <p:cNvSpPr>
-            <a:spLocks noGrp="1"/>
-          </p:cNvSpPr>
-          <p:nvPr>
-            <p:ph idx="1"/>
-          </p:nvPr>
-        </p:nvSpPr>
-        <p:spPr/>
-        <p:txBody>
-          <a:bodyPr/>
-          <a:lstStyle/>
-          <a:p>
-            <a:endParaRPr lang="en-US"/>
           </a:p>
         </p:txBody>
       </p:sp>
     </p:spTree>
     <p:extLst>
       <p:ext uri="{BB962C8B-B14F-4D97-AF65-F5344CB8AC3E}">
-        <p14:creationId xmlns:p14="http://schemas.microsoft.com/office/powerpoint/2010/main" val="2307114528"/>
+        <p14:creationId xmlns:p14="http://schemas.microsoft.com/office/powerpoint/2010/main" val="1541104339"/>
       </p:ext>
     </p:extLst>
   </p:cSld>
   <p:clrMapOvr>
     <a:masterClrMapping/>
   </p:clrMapOvr>
+  <p:timing>
+    <p:tnLst>
+      <p:par>
+        <p:cTn xmlns:p14="http://schemas.microsoft.com/office/powerpoint/2010/main" id="1" dur="indefinite" restart="never" nodeType="tmRoot"/>
+      </p:par>
+    </p:tnLst>
+  </p:timing>
 </p:sld>
 </file>
 
@@ -3940,7 +4044,15 @@
             </a:r>
             <a:r>
               <a:rPr lang="en-US" dirty="0" smtClean="0"/>
-              <a:t> - Users</a:t>
+              <a:t> – </a:t>
+            </a:r>
+            <a:r>
+              <a:rPr lang="en-US" dirty="0" err="1" smtClean="0"/>
+              <a:t>IoT</a:t>
+            </a:r>
+            <a:r>
+              <a:rPr lang="en-US" dirty="0" smtClean="0"/>
+              <a:t> Devices</a:t>
             </a:r>
             <a:endParaRPr lang="en-US" dirty="0"/>
           </a:p>
@@ -3962,35 +4074,219 @@
           <a:lstStyle/>
           <a:p>
             <a:r>
+              <a:rPr lang="en-US" b="1" dirty="0"/>
+              <a:t>Raspberry </a:t>
+            </a:r>
+            <a:r>
+              <a:rPr lang="en-US" b="1" dirty="0" smtClean="0"/>
+              <a:t>Pi</a:t>
+            </a:r>
+          </a:p>
+          <a:p>
+            <a:r>
+              <a:rPr lang="en-US" dirty="0" err="1"/>
+              <a:t>Arduino</a:t>
+            </a:r>
+            <a:r>
+              <a:rPr lang="en-US" dirty="0"/>
+              <a:t> </a:t>
+            </a:r>
+            <a:r>
               <a:rPr lang="en-US" dirty="0" smtClean="0"/>
-              <a:t>Farmers</a:t>
-            </a:r>
-          </a:p>
-          <a:p>
+              <a:t>UNO / </a:t>
+            </a:r>
+            <a:r>
+              <a:rPr lang="en-US" dirty="0" err="1" smtClean="0"/>
+              <a:t>Firmata</a:t>
+            </a:r>
             <a:r>
               <a:rPr lang="en-US" dirty="0" smtClean="0"/>
-              <a:t>Horticulture Enthusiast</a:t>
+              <a:t> sketch</a:t>
             </a:r>
           </a:p>
           <a:p>
             <a:r>
               <a:rPr lang="en-US" dirty="0" smtClean="0"/>
-              <a:t>Research Groups</a:t>
-            </a:r>
-          </a:p>
-          <a:p>
+              <a:t>Node Red – Toggle, </a:t>
+            </a:r>
+            <a:r>
+              <a:rPr lang="en-US" dirty="0" err="1" smtClean="0"/>
+              <a:t>Arduino</a:t>
+            </a:r>
             <a:r>
               <a:rPr lang="en-US" dirty="0" smtClean="0"/>
-              <a:t>Government</a:t>
-            </a:r>
+              <a:t>, Log</a:t>
+            </a:r>
+            <a:endParaRPr lang="en-US" dirty="0" smtClean="0"/>
+          </a:p>
+          <a:p>
+            <a:endParaRPr lang="en-US" dirty="0" smtClean="0"/>
+          </a:p>
+          <a:p>
+            <a:endParaRPr lang="en-US" dirty="0" smtClean="0"/>
+          </a:p>
+          <a:p>
+            <a:endParaRPr lang="en-US" dirty="0" smtClean="0"/>
+          </a:p>
+          <a:p>
             <a:endParaRPr lang="en-US" dirty="0"/>
           </a:p>
         </p:txBody>
       </p:sp>
+      <p:pic>
+        <p:nvPicPr>
+          <p:cNvPr id="4" name="Picture 3" descr="Screen Shot 2014-12-07 at 8.53.27 PM.png"/>
+          <p:cNvPicPr>
+            <a:picLocks noChangeAspect="1"/>
+          </p:cNvPicPr>
+          <p:nvPr/>
+        </p:nvPicPr>
+        <p:blipFill>
+          <a:blip r:embed="rId2">
+            <a:extLst>
+              <a:ext uri="{28A0092B-C50C-407E-A947-70E740481C1C}">
+                <a14:useLocalDpi xmlns:a14="http://schemas.microsoft.com/office/drawing/2010/main" val="0"/>
+              </a:ext>
+            </a:extLst>
+          </a:blip>
+          <a:stretch>
+            <a:fillRect/>
+          </a:stretch>
+        </p:blipFill>
+        <p:spPr>
+          <a:xfrm>
+            <a:off x="4163251" y="3630801"/>
+            <a:ext cx="2603500" cy="1790700"/>
+          </a:xfrm>
+          <a:prstGeom prst="rect">
+            <a:avLst/>
+          </a:prstGeom>
+        </p:spPr>
+      </p:pic>
+      <p:pic>
+        <p:nvPicPr>
+          <p:cNvPr id="5" name="Picture 4" descr="Screen Shot 2014-12-07 at 8.54.39 PM.png"/>
+          <p:cNvPicPr>
+            <a:picLocks noChangeAspect="1"/>
+          </p:cNvPicPr>
+          <p:nvPr/>
+        </p:nvPicPr>
+        <p:blipFill>
+          <a:blip r:embed="rId3">
+            <a:extLst>
+              <a:ext uri="{28A0092B-C50C-407E-A947-70E740481C1C}">
+                <a14:useLocalDpi xmlns:a14="http://schemas.microsoft.com/office/drawing/2010/main" val="0"/>
+              </a:ext>
+            </a:extLst>
+          </a:blip>
+          <a:stretch>
+            <a:fillRect/>
+          </a:stretch>
+        </p:blipFill>
+        <p:spPr>
+          <a:xfrm>
+            <a:off x="791275" y="3580149"/>
+            <a:ext cx="2639574" cy="1841352"/>
+          </a:xfrm>
+          <a:prstGeom prst="rect">
+            <a:avLst/>
+          </a:prstGeom>
+        </p:spPr>
+      </p:pic>
+      <p:pic>
+        <p:nvPicPr>
+          <p:cNvPr id="6" name="Picture 5" descr="Screen Shot 2014-12-07 at 8.56.04 PM.png"/>
+          <p:cNvPicPr>
+            <a:picLocks noChangeAspect="1"/>
+          </p:cNvPicPr>
+          <p:nvPr/>
+        </p:nvPicPr>
+        <p:blipFill>
+          <a:blip r:embed="rId4">
+            <a:extLst>
+              <a:ext uri="{28A0092B-C50C-407E-A947-70E740481C1C}">
+                <a14:useLocalDpi xmlns:a14="http://schemas.microsoft.com/office/drawing/2010/main" val="0"/>
+              </a:ext>
+            </a:extLst>
+          </a:blip>
+          <a:stretch>
+            <a:fillRect/>
+          </a:stretch>
+        </p:blipFill>
+        <p:spPr>
+          <a:xfrm>
+            <a:off x="200602" y="2199154"/>
+            <a:ext cx="673100" cy="406400"/>
+          </a:xfrm>
+          <a:prstGeom prst="rect">
+            <a:avLst/>
+          </a:prstGeom>
+        </p:spPr>
+      </p:pic>
+      <p:pic>
+        <p:nvPicPr>
+          <p:cNvPr id="7" name="Picture 6" descr="Screen Shot 2014-12-07 at 8.57.20 PM.png"/>
+          <p:cNvPicPr>
+            <a:picLocks noChangeAspect="1"/>
+          </p:cNvPicPr>
+          <p:nvPr/>
+        </p:nvPicPr>
+        <p:blipFill>
+          <a:blip r:embed="rId5">
+            <a:extLst>
+              <a:ext uri="{28A0092B-C50C-407E-A947-70E740481C1C}">
+                <a14:useLocalDpi xmlns:a14="http://schemas.microsoft.com/office/drawing/2010/main" val="0"/>
+              </a:ext>
+            </a:extLst>
+          </a:blip>
+          <a:stretch>
+            <a:fillRect/>
+          </a:stretch>
+        </p:blipFill>
+        <p:spPr>
+          <a:xfrm>
+            <a:off x="387350" y="1600199"/>
+            <a:ext cx="403925" cy="441325"/>
+          </a:xfrm>
+          <a:prstGeom prst="rect">
+            <a:avLst/>
+          </a:prstGeom>
+        </p:spPr>
+      </p:pic>
+      <p:pic>
+        <p:nvPicPr>
+          <p:cNvPr id="8" name="Picture 7" descr="Screen Shot 2014-12-07 at 8.58.59 PM.png"/>
+          <p:cNvPicPr>
+            <a:picLocks noChangeAspect="1"/>
+          </p:cNvPicPr>
+          <p:nvPr/>
+        </p:nvPicPr>
+        <p:blipFill>
+          <a:blip r:embed="rId6">
+            <a:extLst>
+              <a:ext uri="{28A0092B-C50C-407E-A947-70E740481C1C}">
+                <a14:useLocalDpi xmlns:a14="http://schemas.microsoft.com/office/drawing/2010/main" val="0"/>
+              </a:ext>
+            </a:extLst>
+          </a:blip>
+          <a:stretch>
+            <a:fillRect/>
+          </a:stretch>
+        </p:blipFill>
+        <p:spPr>
+          <a:xfrm>
+            <a:off x="320675" y="2803525"/>
+            <a:ext cx="597600" cy="345979"/>
+          </a:xfrm>
+          <a:prstGeom prst="rect">
+            <a:avLst/>
+          </a:prstGeom>
+        </p:spPr>
+      </p:pic>
     </p:spTree>
     <p:extLst>
       <p:ext uri="{BB962C8B-B14F-4D97-AF65-F5344CB8AC3E}">
-        <p14:creationId xmlns:p14="http://schemas.microsoft.com/office/powerpoint/2010/main" val="1985213400"/>
+        <p14:creationId xmlns:p14="http://schemas.microsoft.com/office/powerpoint/2010/main" val="2307114528"/>
       </p:ext>
     </p:extLst>
   </p:cSld>
@@ -4038,7 +4334,7 @@
             </a:r>
             <a:r>
               <a:rPr lang="en-US" dirty="0" smtClean="0"/>
-              <a:t> – To Market</a:t>
+              <a:t> - Users</a:t>
             </a:r>
             <a:endParaRPr lang="en-US" dirty="0"/>
           </a:p>
@@ -4061,7 +4357,28 @@
           <a:p>
             <a:r>
               <a:rPr lang="en-US" dirty="0" smtClean="0"/>
-              <a:t>What will it take to get us to market?</a:t>
+              <a:t>Farmers – Maximize crops.</a:t>
+            </a:r>
+            <a:endParaRPr lang="en-US" dirty="0" smtClean="0"/>
+          </a:p>
+          <a:p>
+            <a:r>
+              <a:rPr lang="en-US" dirty="0" smtClean="0"/>
+              <a:t>Greenhouse - Plants</a:t>
+            </a:r>
+            <a:endParaRPr lang="en-US" dirty="0" smtClean="0"/>
+          </a:p>
+          <a:p>
+            <a:r>
+              <a:rPr lang="en-US" dirty="0" smtClean="0"/>
+              <a:t>University Research - Horticulture</a:t>
+            </a:r>
+            <a:endParaRPr lang="en-US" dirty="0" smtClean="0"/>
+          </a:p>
+          <a:p>
+            <a:r>
+              <a:rPr lang="en-US" dirty="0" smtClean="0"/>
+              <a:t>Governmental - </a:t>
             </a:r>
             <a:endParaRPr lang="en-US" dirty="0"/>
           </a:p>
@@ -4070,7 +4387,7 @@
     </p:spTree>
     <p:extLst>
       <p:ext uri="{BB962C8B-B14F-4D97-AF65-F5344CB8AC3E}">
-        <p14:creationId xmlns:p14="http://schemas.microsoft.com/office/powerpoint/2010/main" val="2032253210"/>
+        <p14:creationId xmlns:p14="http://schemas.microsoft.com/office/powerpoint/2010/main" val="1985213400"/>
       </p:ext>
     </p:extLst>
   </p:cSld>
@@ -4118,6 +4435,117 @@
             </a:r>
             <a:r>
               <a:rPr lang="en-US" dirty="0" smtClean="0"/>
+              <a:t> – To Market</a:t>
+            </a:r>
+            <a:endParaRPr lang="en-US" dirty="0"/>
+          </a:p>
+        </p:txBody>
+      </p:sp>
+      <p:sp>
+        <p:nvSpPr>
+          <p:cNvPr id="3" name="Content Placeholder 2"/>
+          <p:cNvSpPr>
+            <a:spLocks noGrp="1"/>
+          </p:cNvSpPr>
+          <p:nvPr>
+            <p:ph idx="1"/>
+          </p:nvPr>
+        </p:nvSpPr>
+        <p:spPr/>
+        <p:txBody>
+          <a:bodyPr/>
+          <a:lstStyle/>
+          <a:p>
+            <a:pPr marL="36576" indent="0">
+              <a:buNone/>
+            </a:pPr>
+            <a:endParaRPr lang="en-US" dirty="0" smtClean="0"/>
+          </a:p>
+          <a:p>
+            <a:r>
+              <a:rPr lang="en-US" dirty="0" smtClean="0"/>
+              <a:t>Develop wireless rechargeable robots.</a:t>
+            </a:r>
+            <a:endParaRPr lang="en-US" dirty="0" smtClean="0"/>
+          </a:p>
+          <a:p>
+            <a:r>
+              <a:rPr lang="en-US" dirty="0" smtClean="0"/>
+              <a:t>Investors to use beta-bots.</a:t>
+            </a:r>
+          </a:p>
+          <a:p>
+            <a:r>
+              <a:rPr lang="en-US" dirty="0" smtClean="0"/>
+              <a:t>Universities to use beta-bots.</a:t>
+            </a:r>
+          </a:p>
+          <a:p>
+            <a:r>
+              <a:rPr lang="en-US" dirty="0" err="1" smtClean="0"/>
+              <a:t>IoT</a:t>
+            </a:r>
+            <a:r>
+              <a:rPr lang="en-US" dirty="0" smtClean="0"/>
+              <a:t> community.</a:t>
+            </a:r>
+          </a:p>
+          <a:p>
+            <a:endParaRPr lang="en-US" dirty="0"/>
+          </a:p>
+        </p:txBody>
+      </p:sp>
+    </p:spTree>
+    <p:extLst>
+      <p:ext uri="{BB962C8B-B14F-4D97-AF65-F5344CB8AC3E}">
+        <p14:creationId xmlns:p14="http://schemas.microsoft.com/office/powerpoint/2010/main" val="2032253210"/>
+      </p:ext>
+    </p:extLst>
+  </p:cSld>
+  <p:clrMapOvr>
+    <a:masterClrMapping/>
+  </p:clrMapOvr>
+</p:sld>
+</file>
+
+<file path=ppt/slides/slide7.xml><?xml version="1.0" encoding="utf-8"?>
+<p:sld xmlns:a="http://schemas.openxmlformats.org/drawingml/2006/main" xmlns:r="http://schemas.openxmlformats.org/officeDocument/2006/relationships" xmlns:p="http://schemas.openxmlformats.org/presentationml/2006/main">
+  <p:cSld>
+    <p:spTree>
+      <p:nvGrpSpPr>
+        <p:cNvPr id="1" name=""/>
+        <p:cNvGrpSpPr/>
+        <p:nvPr/>
+      </p:nvGrpSpPr>
+      <p:grpSpPr>
+        <a:xfrm>
+          <a:off x="0" y="0"/>
+          <a:ext cx="0" cy="0"/>
+          <a:chOff x="0" y="0"/>
+          <a:chExt cx="0" cy="0"/>
+        </a:xfrm>
+      </p:grpSpPr>
+      <p:sp>
+        <p:nvSpPr>
+          <p:cNvPr id="2" name="Title 1"/>
+          <p:cNvSpPr>
+            <a:spLocks noGrp="1"/>
+          </p:cNvSpPr>
+          <p:nvPr>
+            <p:ph type="title"/>
+          </p:nvPr>
+        </p:nvSpPr>
+        <p:spPr/>
+        <p:txBody>
+          <a:bodyPr/>
+          <a:lstStyle/>
+          <a:p>
+            <a:r>
+              <a:rPr lang="en-US" dirty="0" err="1" smtClean="0"/>
+              <a:t>BlossomBot</a:t>
+            </a:r>
+            <a:r>
+              <a:rPr lang="en-US" dirty="0" smtClean="0"/>
               <a:t> – Standing Out</a:t>
             </a:r>
             <a:endParaRPr lang="en-US" dirty="0"/>
@@ -4139,7 +4567,29 @@
           <a:bodyPr/>
           <a:lstStyle/>
           <a:p>
-            <a:endParaRPr lang="en-US"/>
+            <a:r>
+              <a:rPr lang="en-US" dirty="0" smtClean="0"/>
+              <a:t>Ability to use natural resources when available (Solar, Hydro, Wind).</a:t>
+            </a:r>
+          </a:p>
+          <a:p>
+            <a:r>
+              <a:rPr lang="en-US" dirty="0" smtClean="0"/>
+              <a:t>Use weather forecast to pre-plan resource requirements.</a:t>
+            </a:r>
+          </a:p>
+          <a:p>
+            <a:r>
+              <a:rPr lang="en-US" dirty="0" smtClean="0"/>
+              <a:t>Use photo-synthesis  measurements to tune resources deployment.</a:t>
+            </a:r>
+          </a:p>
+          <a:p>
+            <a:r>
+              <a:rPr lang="en-US" dirty="0" smtClean="0"/>
+              <a:t>Use GPS to determine current location of Bot.</a:t>
+            </a:r>
+            <a:endParaRPr lang="en-US" dirty="0"/>
           </a:p>
         </p:txBody>
       </p:sp>

--- a/BlossomBot.pptx
+++ b/BlossomBot.pptx
@@ -9,9 +9,10 @@
     <p:sldId id="262" r:id="rId3"/>
     <p:sldId id="257" r:id="rId4"/>
     <p:sldId id="258" r:id="rId5"/>
-    <p:sldId id="259" r:id="rId6"/>
-    <p:sldId id="260" r:id="rId7"/>
-    <p:sldId id="261" r:id="rId8"/>
+    <p:sldId id="263" r:id="rId6"/>
+    <p:sldId id="259" r:id="rId7"/>
+    <p:sldId id="260" r:id="rId8"/>
+    <p:sldId id="261" r:id="rId9"/>
   </p:sldIdLst>
   <p:sldSz cx="9144000" cy="6858000" type="screen4x3"/>
   <p:notesSz cx="6858000" cy="9144000"/>
@@ -499,7 +500,7 @@
             <a:fld id="{E637BB6B-EE1B-48FB-8575-0D55C373DE88}" type="datetimeFigureOut">
               <a:rPr lang="en-US" smtClean="0"/>
               <a:pPr eaLnBrk="1" latinLnBrk="0" hangingPunct="1"/>
-              <a:t>12/7/14</a:t>
+              <a:t>12/8/14</a:t>
             </a:fld>
             <a:endParaRPr lang="en-US"/>
           </a:p>
@@ -667,7 +668,7 @@
             <a:fld id="{E637BB6B-EE1B-48FB-8575-0D55C373DE88}" type="datetimeFigureOut">
               <a:rPr lang="en-US" smtClean="0"/>
               <a:pPr eaLnBrk="1" latinLnBrk="0" hangingPunct="1"/>
-              <a:t>12/7/14</a:t>
+              <a:t>12/8/14</a:t>
             </a:fld>
             <a:endParaRPr lang="en-US" dirty="0"/>
           </a:p>
@@ -845,7 +846,7 @@
             <a:fld id="{E637BB6B-EE1B-48FB-8575-0D55C373DE88}" type="datetimeFigureOut">
               <a:rPr lang="en-US" smtClean="0"/>
               <a:pPr eaLnBrk="1" latinLnBrk="0" hangingPunct="1"/>
-              <a:t>12/7/14</a:t>
+              <a:t>12/8/14</a:t>
             </a:fld>
             <a:endParaRPr lang="en-US"/>
           </a:p>
@@ -1017,7 +1018,7 @@
             <a:fld id="{E637BB6B-EE1B-48FB-8575-0D55C373DE88}" type="datetimeFigureOut">
               <a:rPr lang="en-US" smtClean="0"/>
               <a:pPr eaLnBrk="1" latinLnBrk="0" hangingPunct="1"/>
-              <a:t>12/7/14</a:t>
+              <a:t>12/8/14</a:t>
             </a:fld>
             <a:endParaRPr lang="en-US"/>
           </a:p>
@@ -1475,7 +1476,7 @@
             <a:fld id="{E637BB6B-EE1B-48FB-8575-0D55C373DE88}" type="datetimeFigureOut">
               <a:rPr lang="en-US" smtClean="0"/>
               <a:pPr eaLnBrk="1" latinLnBrk="0" hangingPunct="1"/>
-              <a:t>12/7/14</a:t>
+              <a:t>12/8/14</a:t>
             </a:fld>
             <a:endParaRPr lang="en-US"/>
           </a:p>
@@ -1742,7 +1743,7 @@
             <a:fld id="{E637BB6B-EE1B-48FB-8575-0D55C373DE88}" type="datetimeFigureOut">
               <a:rPr lang="en-US" smtClean="0"/>
               <a:pPr eaLnBrk="1" latinLnBrk="0" hangingPunct="1"/>
-              <a:t>12/7/14</a:t>
+              <a:t>12/8/14</a:t>
             </a:fld>
             <a:endParaRPr lang="en-US"/>
           </a:p>
@@ -2119,7 +2120,7 @@
             <a:fld id="{E637BB6B-EE1B-48FB-8575-0D55C373DE88}" type="datetimeFigureOut">
               <a:rPr lang="en-US" smtClean="0"/>
               <a:pPr eaLnBrk="1" latinLnBrk="0" hangingPunct="1"/>
-              <a:t>12/7/14</a:t>
+              <a:t>12/8/14</a:t>
             </a:fld>
             <a:endParaRPr lang="en-US"/>
           </a:p>
@@ -2244,7 +2245,7 @@
             <a:fld id="{E637BB6B-EE1B-48FB-8575-0D55C373DE88}" type="datetimeFigureOut">
               <a:rPr lang="en-US" smtClean="0"/>
               <a:pPr eaLnBrk="1" latinLnBrk="0" hangingPunct="1"/>
-              <a:t>12/7/14</a:t>
+              <a:t>12/8/14</a:t>
             </a:fld>
             <a:endParaRPr lang="en-US"/>
           </a:p>
@@ -2337,7 +2338,7 @@
             <a:fld id="{E637BB6B-EE1B-48FB-8575-0D55C373DE88}" type="datetimeFigureOut">
               <a:rPr lang="en-US" smtClean="0"/>
               <a:pPr eaLnBrk="1" latinLnBrk="0" hangingPunct="1"/>
-              <a:t>12/7/14</a:t>
+              <a:t>12/8/14</a:t>
             </a:fld>
             <a:endParaRPr lang="en-US"/>
           </a:p>
@@ -2589,7 +2590,7 @@
             <a:fld id="{E637BB6B-EE1B-48FB-8575-0D55C373DE88}" type="datetimeFigureOut">
               <a:rPr lang="en-US" smtClean="0"/>
               <a:pPr eaLnBrk="1" latinLnBrk="0" hangingPunct="1"/>
-              <a:t>12/7/14</a:t>
+              <a:t>12/8/14</a:t>
             </a:fld>
             <a:endParaRPr lang="en-US"/>
           </a:p>
@@ -2851,7 +2852,7 @@
             <a:fld id="{E637BB6B-EE1B-48FB-8575-0D55C373DE88}" type="datetimeFigureOut">
               <a:rPr lang="en-US" smtClean="0"/>
               <a:pPr eaLnBrk="1" latinLnBrk="0" hangingPunct="1"/>
-              <a:t>12/7/14</a:t>
+              <a:t>12/8/14</a:t>
             </a:fld>
             <a:endParaRPr lang="en-US"/>
           </a:p>
@@ -3258,7 +3259,7 @@
             <a:fld id="{E637BB6B-EE1B-48FB-8575-0D55C373DE88}" type="datetimeFigureOut">
               <a:rPr lang="en-US" smtClean="0"/>
               <a:pPr eaLnBrk="1" latinLnBrk="0" hangingPunct="1"/>
-              <a:t>12/7/14</a:t>
+              <a:t>12/8/14</a:t>
             </a:fld>
             <a:endParaRPr lang="en-US" sz="1000">
               <a:solidFill>
@@ -4117,7 +4118,6 @@
               <a:rPr lang="en-US" dirty="0" smtClean="0"/>
               <a:t>, Log</a:t>
             </a:r>
-            <a:endParaRPr lang="en-US" dirty="0" smtClean="0"/>
           </a:p>
           <a:p>
             <a:endParaRPr lang="en-US" dirty="0" smtClean="0"/>
@@ -4334,60 +4334,46 @@
             </a:r>
             <a:r>
               <a:rPr lang="en-US" dirty="0" smtClean="0"/>
-              <a:t> - Users</a:t>
+              <a:t> – The Flow</a:t>
             </a:r>
             <a:endParaRPr lang="en-US" dirty="0"/>
           </a:p>
         </p:txBody>
       </p:sp>
-      <p:sp>
-        <p:nvSpPr>
-          <p:cNvPr id="3" name="Content Placeholder 2"/>
-          <p:cNvSpPr>
-            <a:spLocks noGrp="1"/>
-          </p:cNvSpPr>
+      <p:pic>
+        <p:nvPicPr>
+          <p:cNvPr id="4" name="Content Placeholder 3" descr="Screen Shot 2014-12-08 at 8.59.33 PM.png"/>
+          <p:cNvPicPr>
+            <a:picLocks noGrp="1" noChangeAspect="1"/>
+          </p:cNvPicPr>
           <p:nvPr>
             <p:ph idx="1"/>
           </p:nvPr>
-        </p:nvSpPr>
-        <p:spPr/>
-        <p:txBody>
-          <a:bodyPr/>
-          <a:lstStyle/>
-          <a:p>
-            <a:r>
-              <a:rPr lang="en-US" dirty="0" smtClean="0"/>
-              <a:t>Farmers – Maximize crops.</a:t>
-            </a:r>
-            <a:endParaRPr lang="en-US" dirty="0" smtClean="0"/>
-          </a:p>
-          <a:p>
-            <a:r>
-              <a:rPr lang="en-US" dirty="0" smtClean="0"/>
-              <a:t>Greenhouse - Plants</a:t>
-            </a:r>
-            <a:endParaRPr lang="en-US" dirty="0" smtClean="0"/>
-          </a:p>
-          <a:p>
-            <a:r>
-              <a:rPr lang="en-US" dirty="0" smtClean="0"/>
-              <a:t>University Research - Horticulture</a:t>
-            </a:r>
-            <a:endParaRPr lang="en-US" dirty="0" smtClean="0"/>
-          </a:p>
-          <a:p>
-            <a:r>
-              <a:rPr lang="en-US" dirty="0" smtClean="0"/>
-              <a:t>Governmental - </a:t>
-            </a:r>
-            <a:endParaRPr lang="en-US" dirty="0"/>
-          </a:p>
-        </p:txBody>
-      </p:sp>
+        </p:nvPicPr>
+        <p:blipFill>
+          <a:blip r:embed="rId2" cstate="print">
+            <a:extLst>
+              <a:ext uri="{28A0092B-C50C-407E-A947-70E740481C1C}">
+                <a14:useLocalDpi xmlns:a14="http://schemas.microsoft.com/office/drawing/2010/main" val="0"/>
+              </a:ext>
+            </a:extLst>
+          </a:blip>
+          <a:srcRect l="8261" r="8261"/>
+          <a:stretch>
+            <a:fillRect/>
+          </a:stretch>
+        </p:blipFill>
+        <p:spPr>
+          <a:xfrm>
+            <a:off x="457200" y="1417638"/>
+            <a:ext cx="7702550" cy="4668361"/>
+          </a:xfrm>
+        </p:spPr>
+      </p:pic>
     </p:spTree>
     <p:extLst>
       <p:ext uri="{BB962C8B-B14F-4D97-AF65-F5344CB8AC3E}">
-        <p14:creationId xmlns:p14="http://schemas.microsoft.com/office/powerpoint/2010/main" val="1985213400"/>
+        <p14:creationId xmlns:p14="http://schemas.microsoft.com/office/powerpoint/2010/main" val="3511131479"/>
       </p:ext>
     </p:extLst>
   </p:cSld>
@@ -4435,6 +4421,104 @@
             </a:r>
             <a:r>
               <a:rPr lang="en-US" dirty="0" smtClean="0"/>
+              <a:t> - Users</a:t>
+            </a:r>
+            <a:endParaRPr lang="en-US" dirty="0"/>
+          </a:p>
+        </p:txBody>
+      </p:sp>
+      <p:sp>
+        <p:nvSpPr>
+          <p:cNvPr id="3" name="Content Placeholder 2"/>
+          <p:cNvSpPr>
+            <a:spLocks noGrp="1"/>
+          </p:cNvSpPr>
+          <p:nvPr>
+            <p:ph idx="1"/>
+          </p:nvPr>
+        </p:nvSpPr>
+        <p:spPr/>
+        <p:txBody>
+          <a:bodyPr/>
+          <a:lstStyle/>
+          <a:p>
+            <a:r>
+              <a:rPr lang="en-US" dirty="0" smtClean="0"/>
+              <a:t>Farmers – Maximize crops.</a:t>
+            </a:r>
+          </a:p>
+          <a:p>
+            <a:r>
+              <a:rPr lang="en-US" dirty="0" smtClean="0"/>
+              <a:t>Greenhouse - Plants</a:t>
+            </a:r>
+          </a:p>
+          <a:p>
+            <a:r>
+              <a:rPr lang="en-US" dirty="0" smtClean="0"/>
+              <a:t>University Research - Horticulture</a:t>
+            </a:r>
+          </a:p>
+          <a:p>
+            <a:r>
+              <a:rPr lang="en-US" dirty="0" smtClean="0"/>
+              <a:t>Governmental - </a:t>
+            </a:r>
+            <a:endParaRPr lang="en-US" dirty="0"/>
+          </a:p>
+        </p:txBody>
+      </p:sp>
+    </p:spTree>
+    <p:extLst>
+      <p:ext uri="{BB962C8B-B14F-4D97-AF65-F5344CB8AC3E}">
+        <p14:creationId xmlns:p14="http://schemas.microsoft.com/office/powerpoint/2010/main" val="1985213400"/>
+      </p:ext>
+    </p:extLst>
+  </p:cSld>
+  <p:clrMapOvr>
+    <a:masterClrMapping/>
+  </p:clrMapOvr>
+</p:sld>
+</file>
+
+<file path=ppt/slides/slide7.xml><?xml version="1.0" encoding="utf-8"?>
+<p:sld xmlns:a="http://schemas.openxmlformats.org/drawingml/2006/main" xmlns:r="http://schemas.openxmlformats.org/officeDocument/2006/relationships" xmlns:p="http://schemas.openxmlformats.org/presentationml/2006/main">
+  <p:cSld>
+    <p:spTree>
+      <p:nvGrpSpPr>
+        <p:cNvPr id="1" name=""/>
+        <p:cNvGrpSpPr/>
+        <p:nvPr/>
+      </p:nvGrpSpPr>
+      <p:grpSpPr>
+        <a:xfrm>
+          <a:off x="0" y="0"/>
+          <a:ext cx="0" cy="0"/>
+          <a:chOff x="0" y="0"/>
+          <a:chExt cx="0" cy="0"/>
+        </a:xfrm>
+      </p:grpSpPr>
+      <p:sp>
+        <p:nvSpPr>
+          <p:cNvPr id="2" name="Title 1"/>
+          <p:cNvSpPr>
+            <a:spLocks noGrp="1"/>
+          </p:cNvSpPr>
+          <p:nvPr>
+            <p:ph type="title"/>
+          </p:nvPr>
+        </p:nvSpPr>
+        <p:spPr/>
+        <p:txBody>
+          <a:bodyPr/>
+          <a:lstStyle/>
+          <a:p>
+            <a:r>
+              <a:rPr lang="en-US" dirty="0" err="1" smtClean="0"/>
+              <a:t>BlossomBot</a:t>
+            </a:r>
+            <a:r>
+              <a:rPr lang="en-US" dirty="0" smtClean="0"/>
               <a:t> – To Market</a:t>
             </a:r>
             <a:endParaRPr lang="en-US" dirty="0"/>
@@ -4466,7 +4550,6 @@
               <a:rPr lang="en-US" dirty="0" smtClean="0"/>
               <a:t>Develop wireless rechargeable robots.</a:t>
             </a:r>
-            <a:endParaRPr lang="en-US" dirty="0" smtClean="0"/>
           </a:p>
           <a:p>
             <a:r>
@@ -4508,7 +4591,7 @@
 </p:sld>
 </file>
 
-<file path=ppt/slides/slide7.xml><?xml version="1.0" encoding="utf-8"?>
+<file path=ppt/slides/slide8.xml><?xml version="1.0" encoding="utf-8"?>
 <p:sld xmlns:a="http://schemas.openxmlformats.org/drawingml/2006/main" xmlns:r="http://schemas.openxmlformats.org/officeDocument/2006/relationships" xmlns:p="http://schemas.openxmlformats.org/presentationml/2006/main">
   <p:cSld>
     <p:spTree>
